--- a/docs/Pitch Outline.pptx
+++ b/docs/Pitch Outline.pptx
@@ -22,44 +22,45 @@
     <p:sldId id="267" r:id="rId17"/>
     <p:sldId id="268" r:id="rId18"/>
     <p:sldId id="269" r:id="rId19"/>
+    <p:sldId id="270" r:id="rId20"/>
   </p:sldIdLst>
   <p:sldSz cy="5143500" cx="9144000"/>
   <p:notesSz cx="6858000" cy="9144000"/>
   <p:embeddedFontLst>
     <p:embeddedFont>
       <p:font typeface="Nunito"/>
-      <p:regular r:id="rId20"/>
-      <p:bold r:id="rId21"/>
-      <p:italic r:id="rId22"/>
-      <p:boldItalic r:id="rId23"/>
+      <p:regular r:id="rId21"/>
+      <p:bold r:id="rId22"/>
+      <p:italic r:id="rId23"/>
+      <p:boldItalic r:id="rId24"/>
     </p:embeddedFont>
     <p:embeddedFont>
       <p:font typeface="Barlow Medium"/>
-      <p:regular r:id="rId24"/>
-      <p:bold r:id="rId25"/>
-      <p:italic r:id="rId26"/>
-      <p:boldItalic r:id="rId27"/>
+      <p:regular r:id="rId25"/>
+      <p:bold r:id="rId26"/>
+      <p:italic r:id="rId27"/>
+      <p:boldItalic r:id="rId28"/>
     </p:embeddedFont>
     <p:embeddedFont>
       <p:font typeface="Exo 2"/>
-      <p:regular r:id="rId28"/>
-      <p:bold r:id="rId29"/>
-      <p:italic r:id="rId30"/>
-      <p:boldItalic r:id="rId31"/>
+      <p:regular r:id="rId29"/>
+      <p:bold r:id="rId30"/>
+      <p:italic r:id="rId31"/>
+      <p:boldItalic r:id="rId32"/>
     </p:embeddedFont>
     <p:embeddedFont>
       <p:font typeface="Barlow SemiBold"/>
-      <p:regular r:id="rId32"/>
-      <p:bold r:id="rId33"/>
-      <p:italic r:id="rId34"/>
-      <p:boldItalic r:id="rId35"/>
+      <p:regular r:id="rId33"/>
+      <p:bold r:id="rId34"/>
+      <p:italic r:id="rId35"/>
+      <p:boldItalic r:id="rId36"/>
     </p:embeddedFont>
     <p:embeddedFont>
       <p:font typeface="Barlow"/>
-      <p:regular r:id="rId36"/>
-      <p:bold r:id="rId37"/>
-      <p:italic r:id="rId38"/>
-      <p:boldItalic r:id="rId39"/>
+      <p:regular r:id="rId37"/>
+      <p:bold r:id="rId38"/>
+      <p:italic r:id="rId39"/>
+      <p:boldItalic r:id="rId40"/>
     </p:embeddedFont>
   </p:embeddedFontLst>
   <p:defaultTextStyle>
@@ -939,7 +940,7 @@
                   <a:schemeClr val="dk1"/>
                 </a:solidFill>
               </a:rPr>
-              <a:t>Knowing when to report a case is sometimes difficult for witnesses, and on the law enforcement side, it's often hard to prioritize which cases to follow up on. To address this, we've taken indicators from the UNODC and turned them into a seven small screens of prompts.</a:t>
+              <a:t>Knowing when to report a case is sometimes difficult for witnesses, and on the law enforcement side, it's often hard to prioritize which cases to follow up on. To address this, our front end asks users to confirm the presence of indicators from the UNODC.</a:t>
             </a:r>
             <a:endParaRPr>
               <a:solidFill>
@@ -1047,7 +1048,7 @@
                   <a:srgbClr val="302320"/>
                 </a:solidFill>
               </a:rPr>
-              <a:t>The indicators as reported by the witness, contact information and additional details are compiled into a report which is then sent to authorities to follow up.</a:t>
+              <a:t>The indicators as reported by the witness, contact information and additional details are compiled into an easy to-integrate report which is then sent to authorities to follow up.</a:t>
             </a:r>
             <a:endParaRPr/>
           </a:p>
@@ -1307,7 +1308,7 @@
             </a:pPr>
             <a:r>
               <a:rPr lang="en"/>
-              <a:t>The truly remarkable thing about TRACKS is that it can be realized on a number of different platforms. Whether it's a plugin for ride share app users, or a desktop widget for clerks at car rental companies, or even a standalone app for those offering a person a ride. In any case, we think that law enforcement will find this tool useful, and hope that transportation professionals who are dedicated to the fight against trafficking will adopt this framework.</a:t>
+              <a:t>The truly remarkable thing about TRACKS is that it can be realized on a number of different platforms. Whether it's a plugin for ride share app, or a desktop widget for rental clerks, or even a standalone app. In any case, we think that law enforcement will find this tool useful, and hope that transportation professionals who are dedicated to the fight against trafficking will adopt this framework.</a:t>
             </a:r>
             <a:endParaRPr/>
           </a:p>
@@ -1431,6 +1432,105 @@
 </p:notes>
 </file>
 
+<file path=ppt/notesSlides/notesSlide15.xml><?xml version="1.0" encoding="utf-8"?>
+<p:notes xmlns:a="http://schemas.openxmlformats.org/drawingml/2006/main" xmlns:r="http://schemas.openxmlformats.org/officeDocument/2006/relationships" xmlns:mc="http://schemas.openxmlformats.org/markup-compatibility/2006" xmlns:mv="urn:schemas-microsoft-com:mac:vml" xmlns:p="http://schemas.openxmlformats.org/presentationml/2006/main" xmlns:c="http://schemas.openxmlformats.org/drawingml/2006/chart" xmlns:dgm="http://schemas.openxmlformats.org/drawingml/2006/diagram" xmlns:o="urn:schemas-microsoft-com:office:office" xmlns:v="urn:schemas-microsoft-com:vml" xmlns:pvml="urn:schemas-microsoft-com:office:powerpoint" xmlns:com="http://schemas.openxmlformats.org/drawingml/2006/compatibility" xmlns:p14="http://schemas.microsoft.com/office/powerpoint/2010/main" xmlns:p15="http://schemas.microsoft.com/office/powerpoint/2012/main" xmlns:ahyp="http://schemas.microsoft.com/office/drawing/2018/hyperlinkcolor" showMasterPhAnim="0" showMasterSp="0">
+  <p:cSld>
+    <p:spTree>
+      <p:nvGrpSpPr>
+        <p:cNvPr id="620" name="Shape 620"/>
+        <p:cNvGrpSpPr/>
+        <p:nvPr/>
+      </p:nvGrpSpPr>
+      <p:grpSpPr>
+        <a:xfrm>
+          <a:off x="0" y="0"/>
+          <a:ext cx="0" cy="0"/>
+          <a:chOff x="0" y="0"/>
+          <a:chExt cx="0" cy="0"/>
+        </a:xfrm>
+      </p:grpSpPr>
+      <p:sp>
+        <p:nvSpPr>
+          <p:cNvPr id="621" name="Google Shape;621;gda85ac68d8_0_13:notes"/>
+          <p:cNvSpPr/>
+          <p:nvPr>
+            <p:ph idx="2" type="sldImg"/>
+          </p:nvPr>
+        </p:nvSpPr>
+        <p:spPr>
+          <a:xfrm>
+            <a:off x="381300" y="685800"/>
+            <a:ext cx="6096000" cy="3429000"/>
+          </a:xfrm>
+          <a:custGeom>
+            <a:rect b="b" l="l" r="r" t="t"/>
+            <a:pathLst>
+              <a:path extrusionOk="0" h="120000" w="120000">
+                <a:moveTo>
+                  <a:pt x="0" y="0"/>
+                </a:moveTo>
+                <a:lnTo>
+                  <a:pt x="120000" y="0"/>
+                </a:lnTo>
+                <a:lnTo>
+                  <a:pt x="120000" y="120000"/>
+                </a:lnTo>
+                <a:lnTo>
+                  <a:pt x="0" y="120000"/>
+                </a:lnTo>
+                <a:close/>
+              </a:path>
+            </a:pathLst>
+          </a:custGeom>
+        </p:spPr>
+      </p:sp>
+      <p:sp>
+        <p:nvSpPr>
+          <p:cNvPr id="622" name="Google Shape;622;gda85ac68d8_0_13:notes"/>
+          <p:cNvSpPr txBox="1"/>
+          <p:nvPr>
+            <p:ph idx="1" type="body"/>
+          </p:nvPr>
+        </p:nvSpPr>
+        <p:spPr>
+          <a:xfrm>
+            <a:off x="685800" y="4343400"/>
+            <a:ext cx="5486400" cy="4114800"/>
+          </a:xfrm>
+          <a:prstGeom prst="rect">
+            <a:avLst/>
+          </a:prstGeom>
+        </p:spPr>
+        <p:txBody>
+          <a:bodyPr anchorCtr="0" anchor="t" bIns="91425" lIns="91425" spcFirstLastPara="1" rIns="91425" wrap="square" tIns="91425">
+            <a:noAutofit/>
+          </a:bodyPr>
+          <a:lstStyle/>
+          <a:p>
+            <a:pPr indent="0" lvl="0" marL="0" rtl="0" algn="l">
+              <a:spcBef>
+                <a:spcPts val="0"/>
+              </a:spcBef>
+              <a:spcAft>
+                <a:spcPts val="0"/>
+              </a:spcAft>
+              <a:buNone/>
+            </a:pPr>
+            <a:r>
+              <a:t/>
+            </a:r>
+            <a:endParaRPr/>
+          </a:p>
+        </p:txBody>
+      </p:sp>
+    </p:spTree>
+  </p:cSld>
+  <p:clrMapOvr>
+    <a:masterClrMapping/>
+  </p:clrMapOvr>
+</p:notes>
+</file>
+
 <file path=ppt/notesSlides/notesSlide2.xml><?xml version="1.0" encoding="utf-8"?>
 <p:notes xmlns:a="http://schemas.openxmlformats.org/drawingml/2006/main" xmlns:r="http://schemas.openxmlformats.org/officeDocument/2006/relationships" xmlns:mc="http://schemas.openxmlformats.org/markup-compatibility/2006" xmlns:mv="urn:schemas-microsoft-com:mac:vml" xmlns:p="http://schemas.openxmlformats.org/presentationml/2006/main" xmlns:c="http://schemas.openxmlformats.org/drawingml/2006/chart" xmlns:dgm="http://schemas.openxmlformats.org/drawingml/2006/diagram" xmlns:o="urn:schemas-microsoft-com:office:office" xmlns:v="urn:schemas-microsoft-com:vml" xmlns:pvml="urn:schemas-microsoft-com:office:powerpoint" xmlns:com="http://schemas.openxmlformats.org/drawingml/2006/compatibility" xmlns:p14="http://schemas.microsoft.com/office/powerpoint/2010/main" xmlns:p15="http://schemas.microsoft.com/office/powerpoint/2012/main" xmlns:ahyp="http://schemas.microsoft.com/office/drawing/2018/hyperlinkcolor" showMasterPhAnim="0" showMasterSp="0">
   <p:cSld>
@@ -1534,7 +1634,7 @@
                   <a:srgbClr val="50443F"/>
                 </a:solidFill>
               </a:rPr>
-              <a:t>ictims of trafficking are routinely relocated. Moving between places and jurisdictions ensures that they stay undetected and evade law enforcement. And also, victims stay isolated, confused and therefore dependent and unable to leave their traffickers or report them to the authorities.</a:t>
+              <a:t>ictims of trafficking are routinely relocated. Moving between places ensures that they stay undetected. Victims stay isolated and unable to escape.</a:t>
             </a:r>
             <a:endParaRPr sz="1200">
               <a:solidFill>
@@ -49680,6 +49780,142 @@
 </p:sld>
 </file>
 
+<file path=ppt/slides/slide15.xml><?xml version="1.0" encoding="utf-8"?>
+<p:sld xmlns:a="http://schemas.openxmlformats.org/drawingml/2006/main" xmlns:r="http://schemas.openxmlformats.org/officeDocument/2006/relationships" xmlns:mc="http://schemas.openxmlformats.org/markup-compatibility/2006" xmlns:mv="urn:schemas-microsoft-com:mac:vml" xmlns:p="http://schemas.openxmlformats.org/presentationml/2006/main" xmlns:c="http://schemas.openxmlformats.org/drawingml/2006/chart" xmlns:dgm="http://schemas.openxmlformats.org/drawingml/2006/diagram" xmlns:o="urn:schemas-microsoft-com:office:office" xmlns:v="urn:schemas-microsoft-com:vml" xmlns:pvml="urn:schemas-microsoft-com:office:powerpoint" xmlns:com="http://schemas.openxmlformats.org/drawingml/2006/compatibility" xmlns:p14="http://schemas.microsoft.com/office/powerpoint/2010/main" xmlns:p15="http://schemas.microsoft.com/office/powerpoint/2012/main" xmlns:ahyp="http://schemas.microsoft.com/office/drawing/2018/hyperlinkcolor">
+  <p:cSld>
+    <p:spTree>
+      <p:nvGrpSpPr>
+        <p:cNvPr id="623" name="Shape 623"/>
+        <p:cNvGrpSpPr/>
+        <p:nvPr/>
+      </p:nvGrpSpPr>
+      <p:grpSpPr>
+        <a:xfrm>
+          <a:off x="0" y="0"/>
+          <a:ext cx="0" cy="0"/>
+          <a:chOff x="0" y="0"/>
+          <a:chExt cx="0" cy="0"/>
+        </a:xfrm>
+      </p:grpSpPr>
+      <p:sp>
+        <p:nvSpPr>
+          <p:cNvPr id="624" name="Google Shape;624;p48"/>
+          <p:cNvSpPr txBox="1"/>
+          <p:nvPr>
+            <p:ph type="title"/>
+          </p:nvPr>
+        </p:nvSpPr>
+        <p:spPr>
+          <a:xfrm>
+            <a:off x="758775" y="368825"/>
+            <a:ext cx="7626300" cy="572700"/>
+          </a:xfrm>
+          <a:prstGeom prst="rect">
+            <a:avLst/>
+          </a:prstGeom>
+        </p:spPr>
+        <p:txBody>
+          <a:bodyPr anchorCtr="0" anchor="ctr" bIns="91425" lIns="91425" spcFirstLastPara="1" rIns="91425" wrap="square" tIns="91425">
+            <a:noAutofit/>
+          </a:bodyPr>
+          <a:lstStyle/>
+          <a:p>
+            <a:pPr indent="0" lvl="0" marL="0" rtl="0" algn="ctr">
+              <a:spcBef>
+                <a:spcPts val="0"/>
+              </a:spcBef>
+              <a:spcAft>
+                <a:spcPts val="0"/>
+              </a:spcAft>
+              <a:buNone/>
+            </a:pPr>
+            <a:r>
+              <a:rPr lang="en"/>
+              <a:t>Sources</a:t>
+            </a:r>
+            <a:endParaRPr/>
+          </a:p>
+        </p:txBody>
+      </p:sp>
+      <p:sp>
+        <p:nvSpPr>
+          <p:cNvPr id="625" name="Google Shape;625;p48"/>
+          <p:cNvSpPr txBox="1"/>
+          <p:nvPr>
+            <p:ph idx="1" type="body"/>
+          </p:nvPr>
+        </p:nvSpPr>
+        <p:spPr>
+          <a:xfrm>
+            <a:off x="758775" y="1053450"/>
+            <a:ext cx="7626300" cy="3474300"/>
+          </a:xfrm>
+          <a:prstGeom prst="rect">
+            <a:avLst/>
+          </a:prstGeom>
+        </p:spPr>
+        <p:txBody>
+          <a:bodyPr anchorCtr="0" anchor="t" bIns="91425" lIns="91425" spcFirstLastPara="1" rIns="91425" wrap="square" tIns="91425">
+            <a:noAutofit/>
+          </a:bodyPr>
+          <a:lstStyle/>
+          <a:p>
+            <a:pPr indent="0" lvl="0" marL="0" rtl="0" algn="l">
+              <a:spcBef>
+                <a:spcPts val="0"/>
+              </a:spcBef>
+              <a:spcAft>
+                <a:spcPts val="0"/>
+              </a:spcAft>
+              <a:buNone/>
+            </a:pPr>
+            <a:r>
+              <a:rPr lang="en"/>
+              <a:t>Content from this video is taken from Human-Trafficking Corridors in Canada document by The Canadian Centre to End Human Trafficking. (https://www.canadiancentretoendhumantrafficking.ca/wp-content/uploads/2021/02/Human-Trafficking-Corridors-in-Canada-Report.pdf) </a:t>
+            </a:r>
+            <a:endParaRPr/>
+          </a:p>
+          <a:p>
+            <a:pPr indent="0" lvl="0" marL="0" rtl="0" algn="l">
+              <a:spcBef>
+                <a:spcPts val="0"/>
+              </a:spcBef>
+              <a:spcAft>
+                <a:spcPts val="0"/>
+              </a:spcAft>
+              <a:buNone/>
+            </a:pPr>
+            <a:r>
+              <a:t/>
+            </a:r>
+            <a:endParaRPr/>
+          </a:p>
+          <a:p>
+            <a:pPr indent="0" lvl="0" marL="0" rtl="0" algn="l">
+              <a:spcBef>
+                <a:spcPts val="0"/>
+              </a:spcBef>
+              <a:spcAft>
+                <a:spcPts val="0"/>
+              </a:spcAft>
+              <a:buNone/>
+            </a:pPr>
+            <a:r>
+              <a:rPr lang="en"/>
+              <a:t>Additional sources: UNODC indicators of trafficking, (https://www.unodc.org/pdf/HT_indicators_E_LOWRES.pdf)</a:t>
+            </a:r>
+            <a:endParaRPr/>
+          </a:p>
+        </p:txBody>
+      </p:sp>
+    </p:spTree>
+  </p:cSld>
+  <p:clrMapOvr>
+    <a:masterClrMapping/>
+  </p:clrMapOvr>
+</p:sld>
+</file>
+
 <file path=ppt/slides/slide2.xml><?xml version="1.0" encoding="utf-8"?>
 <p:sld xmlns:a="http://schemas.openxmlformats.org/drawingml/2006/main" xmlns:r="http://schemas.openxmlformats.org/officeDocument/2006/relationships" xmlns:mc="http://schemas.openxmlformats.org/markup-compatibility/2006" xmlns:mv="urn:schemas-microsoft-com:mac:vml" xmlns:p="http://schemas.openxmlformats.org/presentationml/2006/main" xmlns:c="http://schemas.openxmlformats.org/drawingml/2006/chart" xmlns:dgm="http://schemas.openxmlformats.org/drawingml/2006/diagram" xmlns:o="urn:schemas-microsoft-com:office:office" xmlns:v="urn:schemas-microsoft-com:vml" xmlns:pvml="urn:schemas-microsoft-com:office:powerpoint" xmlns:com="http://schemas.openxmlformats.org/drawingml/2006/compatibility" xmlns:p14="http://schemas.microsoft.com/office/powerpoint/2010/main" xmlns:p15="http://schemas.microsoft.com/office/powerpoint/2012/main" xmlns:ahyp="http://schemas.microsoft.com/office/drawing/2018/hyperlinkcolor">
   <p:cSld>
@@ -51519,6 +51755,285 @@
 </file>
 
 <file path=ppt/theme/theme1.xml><?xml version="1.0" encoding="utf-8"?>
+<a:theme xmlns:a="http://schemas.openxmlformats.org/drawingml/2006/main" xmlns:r="http://schemas.openxmlformats.org/officeDocument/2006/relationships">
+  <a:themeElements>
+    <a:clrScheme name="Default">
+      <a:dk1>
+        <a:srgbClr val="000000"/>
+      </a:dk1>
+      <a:lt1>
+        <a:srgbClr val="FFFFFF"/>
+      </a:lt1>
+      <a:dk2>
+        <a:srgbClr val="158158"/>
+      </a:dk2>
+      <a:lt2>
+        <a:srgbClr val="F3F3F3"/>
+      </a:lt2>
+      <a:accent1>
+        <a:srgbClr val="058DC7"/>
+      </a:accent1>
+      <a:accent2>
+        <a:srgbClr val="50B432"/>
+      </a:accent2>
+      <a:accent3>
+        <a:srgbClr val="ED561B"/>
+      </a:accent3>
+      <a:accent4>
+        <a:srgbClr val="EDEF00"/>
+      </a:accent4>
+      <a:accent5>
+        <a:srgbClr val="24CBE5"/>
+      </a:accent5>
+      <a:accent6>
+        <a:srgbClr val="64E572"/>
+      </a:accent6>
+      <a:hlink>
+        <a:srgbClr val="2200CC"/>
+      </a:hlink>
+      <a:folHlink>
+        <a:srgbClr val="551A8B"/>
+      </a:folHlink>
+    </a:clrScheme>
+    <a:fontScheme name="Office">
+      <a:majorFont>
+        <a:latin typeface="Arial"/>
+        <a:ea typeface=""/>
+        <a:cs typeface=""/>
+        <a:font script="Jpan" typeface="ＭＳ Ｐゴシック"/>
+        <a:font script="Hang" typeface="맑은 고딕"/>
+        <a:font script="Hans" typeface="宋体"/>
+        <a:font script="Hant" typeface="新細明體"/>
+        <a:font script="Arab" typeface="Times New Roman"/>
+        <a:font script="Hebr" typeface="Times New Roman"/>
+        <a:font script="Thai" typeface="Angsana New"/>
+        <a:font script="Ethi" typeface="Nyala"/>
+        <a:font script="Beng" typeface="Vrinda"/>
+        <a:font script="Gujr" typeface="Shruti"/>
+        <a:font script="Khmr" typeface="MoolBoran"/>
+        <a:font script="Knda" typeface="Tunga"/>
+        <a:font script="Guru" typeface="Raavi"/>
+        <a:font script="Cans" typeface="Euphemia"/>
+        <a:font script="Cher" typeface="Plantagenet Cherokee"/>
+        <a:font script="Yiii" typeface="Microsoft Yi Baiti"/>
+        <a:font script="Tibt" typeface="Microsoft Himalaya"/>
+        <a:font script="Thaa" typeface="MV Boli"/>
+        <a:font script="Deva" typeface="Mangal"/>
+        <a:font script="Telu" typeface="Gautami"/>
+        <a:font script="Taml" typeface="Latha"/>
+        <a:font script="Syrc" typeface="Estrangelo Edessa"/>
+        <a:font script="Orya" typeface="Kalinga"/>
+        <a:font script="Mlym" typeface="Kartika"/>
+        <a:font script="Laoo" typeface="DokChampa"/>
+        <a:font script="Sinh" typeface="Iskoola Pota"/>
+        <a:font script="Mong" typeface="Mongolian Baiti"/>
+        <a:font script="Viet" typeface="Times New Roman"/>
+        <a:font script="Uigh" typeface="Microsoft Uighur"/>
+        <a:font script="Geor" typeface="Sylfaen"/>
+      </a:majorFont>
+      <a:minorFont>
+        <a:latin typeface="Arial"/>
+        <a:ea typeface=""/>
+        <a:cs typeface=""/>
+        <a:font script="Jpan" typeface="ＭＳ Ｐゴシック"/>
+        <a:font script="Hang" typeface="맑은 고딕"/>
+        <a:font script="Hans" typeface="宋体"/>
+        <a:font script="Hant" typeface="新細明體"/>
+        <a:font script="Arab" typeface="Arial"/>
+        <a:font script="Hebr" typeface="Arial"/>
+        <a:font script="Thai" typeface="Cordia New"/>
+        <a:font script="Ethi" typeface="Nyala"/>
+        <a:font script="Beng" typeface="Vrinda"/>
+        <a:font script="Gujr" typeface="Shruti"/>
+        <a:font script="Khmr" typeface="DaunPenh"/>
+        <a:font script="Knda" typeface="Tunga"/>
+        <a:font script="Guru" typeface="Raavi"/>
+        <a:font script="Cans" typeface="Euphemia"/>
+        <a:font script="Cher" typeface="Plantagenet Cherokee"/>
+        <a:font script="Yiii" typeface="Microsoft Yi Baiti"/>
+        <a:font script="Tibt" typeface="Microsoft Himalaya"/>
+        <a:font script="Thaa" typeface="MV Boli"/>
+        <a:font script="Deva" typeface="Mangal"/>
+        <a:font script="Telu" typeface="Gautami"/>
+        <a:font script="Taml" typeface="Latha"/>
+        <a:font script="Syrc" typeface="Estrangelo Edessa"/>
+        <a:font script="Orya" typeface="Kalinga"/>
+        <a:font script="Mlym" typeface="Kartika"/>
+        <a:font script="Laoo" typeface="DokChampa"/>
+        <a:font script="Sinh" typeface="Iskoola Pota"/>
+        <a:font script="Mong" typeface="Mongolian Baiti"/>
+        <a:font script="Viet" typeface="Arial"/>
+        <a:font script="Uigh" typeface="Microsoft Uighur"/>
+        <a:font script="Geor" typeface="Sylfaen"/>
+      </a:minorFont>
+    </a:fontScheme>
+    <a:fmtScheme name="Office">
+      <a:fillStyleLst>
+        <a:solidFill>
+          <a:schemeClr val="phClr"/>
+        </a:solidFill>
+        <a:gradFill rotWithShape="1">
+          <a:gsLst>
+            <a:gs pos="0">
+              <a:schemeClr val="phClr">
+                <a:tint val="50000"/>
+                <a:satMod val="300000"/>
+              </a:schemeClr>
+            </a:gs>
+            <a:gs pos="35000">
+              <a:schemeClr val="phClr">
+                <a:tint val="37000"/>
+                <a:satMod val="300000"/>
+              </a:schemeClr>
+            </a:gs>
+            <a:gs pos="100000">
+              <a:schemeClr val="phClr">
+                <a:tint val="15000"/>
+                <a:satMod val="350000"/>
+              </a:schemeClr>
+            </a:gs>
+          </a:gsLst>
+          <a:lin ang="16200000" scaled="1"/>
+        </a:gradFill>
+        <a:gradFill rotWithShape="1">
+          <a:gsLst>
+            <a:gs pos="0">
+              <a:schemeClr val="phClr">
+                <a:tint val="100000"/>
+                <a:shade val="100000"/>
+                <a:satMod val="130000"/>
+              </a:schemeClr>
+            </a:gs>
+            <a:gs pos="100000">
+              <a:schemeClr val="phClr">
+                <a:tint val="50000"/>
+                <a:shade val="100000"/>
+                <a:satMod val="350000"/>
+              </a:schemeClr>
+            </a:gs>
+          </a:gsLst>
+          <a:lin ang="16200000" scaled="0"/>
+        </a:gradFill>
+      </a:fillStyleLst>
+      <a:lnStyleLst>
+        <a:ln w="9525" cap="flat" cmpd="sng" algn="ctr">
+          <a:solidFill>
+            <a:schemeClr val="phClr">
+              <a:shade val="95000"/>
+              <a:satMod val="105000"/>
+            </a:schemeClr>
+          </a:solidFill>
+          <a:prstDash val="solid"/>
+        </a:ln>
+        <a:ln w="25400" cap="flat" cmpd="sng" algn="ctr">
+          <a:solidFill>
+            <a:schemeClr val="phClr"/>
+          </a:solidFill>
+          <a:prstDash val="solid"/>
+        </a:ln>
+        <a:ln w="38100" cap="flat" cmpd="sng" algn="ctr">
+          <a:solidFill>
+            <a:schemeClr val="phClr"/>
+          </a:solidFill>
+          <a:prstDash val="solid"/>
+        </a:ln>
+      </a:lnStyleLst>
+      <a:effectStyleLst>
+        <a:effectStyle>
+          <a:effectLst>
+            <a:outerShdw blurRad="40000" dist="20000" dir="5400000" rotWithShape="0">
+              <a:srgbClr val="000000">
+                <a:alpha val="38000"/>
+              </a:srgbClr>
+            </a:outerShdw>
+          </a:effectLst>
+        </a:effectStyle>
+        <a:effectStyle>
+          <a:effectLst>
+            <a:outerShdw blurRad="40000" dist="23000" dir="5400000" rotWithShape="0">
+              <a:srgbClr val="000000">
+                <a:alpha val="35000"/>
+              </a:srgbClr>
+            </a:outerShdw>
+          </a:effectLst>
+        </a:effectStyle>
+        <a:effectStyle>
+          <a:effectLst>
+            <a:outerShdw blurRad="40000" dist="23000" dir="5400000" rotWithShape="0">
+              <a:srgbClr val="000000">
+                <a:alpha val="35000"/>
+              </a:srgbClr>
+            </a:outerShdw>
+          </a:effectLst>
+          <a:scene3d>
+            <a:camera prst="orthographicFront">
+              <a:rot lat="0" lon="0" rev="0"/>
+            </a:camera>
+            <a:lightRig rig="threePt" dir="t">
+              <a:rot lat="0" lon="0" rev="1200000"/>
+            </a:lightRig>
+          </a:scene3d>
+          <a:sp3d>
+            <a:bevelT w="63500" h="25400"/>
+          </a:sp3d>
+        </a:effectStyle>
+      </a:effectStyleLst>
+      <a:bgFillStyleLst>
+        <a:solidFill>
+          <a:schemeClr val="phClr"/>
+        </a:solidFill>
+        <a:gradFill rotWithShape="1">
+          <a:gsLst>
+            <a:gs pos="0">
+              <a:schemeClr val="phClr">
+                <a:tint val="40000"/>
+                <a:satMod val="350000"/>
+              </a:schemeClr>
+            </a:gs>
+            <a:gs pos="40000">
+              <a:schemeClr val="phClr">
+                <a:tint val="45000"/>
+                <a:shade val="99000"/>
+                <a:satMod val="350000"/>
+              </a:schemeClr>
+            </a:gs>
+            <a:gs pos="100000">
+              <a:schemeClr val="phClr">
+                <a:shade val="20000"/>
+                <a:satMod val="255000"/>
+              </a:schemeClr>
+            </a:gs>
+          </a:gsLst>
+          <a:path path="circle">
+            <a:fillToRect l="50000" t="-80000" r="50000" b="180000"/>
+          </a:path>
+        </a:gradFill>
+        <a:gradFill rotWithShape="1">
+          <a:gsLst>
+            <a:gs pos="0">
+              <a:schemeClr val="phClr">
+                <a:tint val="80000"/>
+                <a:satMod val="300000"/>
+              </a:schemeClr>
+            </a:gs>
+            <a:gs pos="100000">
+              <a:schemeClr val="phClr">
+                <a:shade val="30000"/>
+                <a:satMod val="200000"/>
+              </a:schemeClr>
+            </a:gs>
+          </a:gsLst>
+          <a:path path="circle">
+            <a:fillToRect l="50000" t="50000" r="50000" b="50000"/>
+          </a:path>
+        </a:gradFill>
+      </a:bgFillStyleLst>
+    </a:fmtScheme>
+  </a:themeElements>
+</a:theme>
+</file>
+
+<file path=ppt/theme/theme2.xml><?xml version="1.0" encoding="utf-8"?>
 <a:theme xmlns:a="http://schemas.openxmlformats.org/drawingml/2006/main" xmlns:r="http://schemas.openxmlformats.org/officeDocument/2006/relationships" name="Read a Road Map Week by Slidesgo">
   <a:themeElements>
     <a:clrScheme name="Simple Light">
@@ -51795,283 +52310,4 @@
     </a:fmtScheme>
   </a:themeElements>
 </a:theme>
-</file>
-
-<file path=ppt/theme/theme2.xml><?xml version="1.0" encoding="utf-8"?>
-<a:theme xmlns:a="http://schemas.openxmlformats.org/drawingml/2006/main" xmlns:r="http://schemas.openxmlformats.org/officeDocument/2006/relationships">
-  <a:themeElements>
-    <a:clrScheme name="Default">
-      <a:dk1>
-        <a:srgbClr val="000000"/>
-      </a:dk1>
-      <a:lt1>
-        <a:srgbClr val="FFFFFF"/>
-      </a:lt1>
-      <a:dk2>
-        <a:srgbClr val="158158"/>
-      </a:dk2>
-      <a:lt2>
-        <a:srgbClr val="F3F3F3"/>
-      </a:lt2>
-      <a:accent1>
-        <a:srgbClr val="058DC7"/>
-      </a:accent1>
-      <a:accent2>
-        <a:srgbClr val="50B432"/>
-      </a:accent2>
-      <a:accent3>
-        <a:srgbClr val="ED561B"/>
-      </a:accent3>
-      <a:accent4>
-        <a:srgbClr val="EDEF00"/>
-      </a:accent4>
-      <a:accent5>
-        <a:srgbClr val="24CBE5"/>
-      </a:accent5>
-      <a:accent6>
-        <a:srgbClr val="64E572"/>
-      </a:accent6>
-      <a:hlink>
-        <a:srgbClr val="2200CC"/>
-      </a:hlink>
-      <a:folHlink>
-        <a:srgbClr val="551A8B"/>
-      </a:folHlink>
-    </a:clrScheme>
-    <a:fontScheme name="Office">
-      <a:majorFont>
-        <a:latin typeface="Arial"/>
-        <a:ea typeface=""/>
-        <a:cs typeface=""/>
-        <a:font script="Jpan" typeface="ＭＳ Ｐゴシック"/>
-        <a:font script="Hang" typeface="맑은 고딕"/>
-        <a:font script="Hans" typeface="宋体"/>
-        <a:font script="Hant" typeface="新細明體"/>
-        <a:font script="Arab" typeface="Times New Roman"/>
-        <a:font script="Hebr" typeface="Times New Roman"/>
-        <a:font script="Thai" typeface="Angsana New"/>
-        <a:font script="Ethi" typeface="Nyala"/>
-        <a:font script="Beng" typeface="Vrinda"/>
-        <a:font script="Gujr" typeface="Shruti"/>
-        <a:font script="Khmr" typeface="MoolBoran"/>
-        <a:font script="Knda" typeface="Tunga"/>
-        <a:font script="Guru" typeface="Raavi"/>
-        <a:font script="Cans" typeface="Euphemia"/>
-        <a:font script="Cher" typeface="Plantagenet Cherokee"/>
-        <a:font script="Yiii" typeface="Microsoft Yi Baiti"/>
-        <a:font script="Tibt" typeface="Microsoft Himalaya"/>
-        <a:font script="Thaa" typeface="MV Boli"/>
-        <a:font script="Deva" typeface="Mangal"/>
-        <a:font script="Telu" typeface="Gautami"/>
-        <a:font script="Taml" typeface="Latha"/>
-        <a:font script="Syrc" typeface="Estrangelo Edessa"/>
-        <a:font script="Orya" typeface="Kalinga"/>
-        <a:font script="Mlym" typeface="Kartika"/>
-        <a:font script="Laoo" typeface="DokChampa"/>
-        <a:font script="Sinh" typeface="Iskoola Pota"/>
-        <a:font script="Mong" typeface="Mongolian Baiti"/>
-        <a:font script="Viet" typeface="Times New Roman"/>
-        <a:font script="Uigh" typeface="Microsoft Uighur"/>
-        <a:font script="Geor" typeface="Sylfaen"/>
-      </a:majorFont>
-      <a:minorFont>
-        <a:latin typeface="Arial"/>
-        <a:ea typeface=""/>
-        <a:cs typeface=""/>
-        <a:font script="Jpan" typeface="ＭＳ Ｐゴシック"/>
-        <a:font script="Hang" typeface="맑은 고딕"/>
-        <a:font script="Hans" typeface="宋体"/>
-        <a:font script="Hant" typeface="新細明體"/>
-        <a:font script="Arab" typeface="Arial"/>
-        <a:font script="Hebr" typeface="Arial"/>
-        <a:font script="Thai" typeface="Cordia New"/>
-        <a:font script="Ethi" typeface="Nyala"/>
-        <a:font script="Beng" typeface="Vrinda"/>
-        <a:font script="Gujr" typeface="Shruti"/>
-        <a:font script="Khmr" typeface="DaunPenh"/>
-        <a:font script="Knda" typeface="Tunga"/>
-        <a:font script="Guru" typeface="Raavi"/>
-        <a:font script="Cans" typeface="Euphemia"/>
-        <a:font script="Cher" typeface="Plantagenet Cherokee"/>
-        <a:font script="Yiii" typeface="Microsoft Yi Baiti"/>
-        <a:font script="Tibt" typeface="Microsoft Himalaya"/>
-        <a:font script="Thaa" typeface="MV Boli"/>
-        <a:font script="Deva" typeface="Mangal"/>
-        <a:font script="Telu" typeface="Gautami"/>
-        <a:font script="Taml" typeface="Latha"/>
-        <a:font script="Syrc" typeface="Estrangelo Edessa"/>
-        <a:font script="Orya" typeface="Kalinga"/>
-        <a:font script="Mlym" typeface="Kartika"/>
-        <a:font script="Laoo" typeface="DokChampa"/>
-        <a:font script="Sinh" typeface="Iskoola Pota"/>
-        <a:font script="Mong" typeface="Mongolian Baiti"/>
-        <a:font script="Viet" typeface="Arial"/>
-        <a:font script="Uigh" typeface="Microsoft Uighur"/>
-        <a:font script="Geor" typeface="Sylfaen"/>
-      </a:minorFont>
-    </a:fontScheme>
-    <a:fmtScheme name="Office">
-      <a:fillStyleLst>
-        <a:solidFill>
-          <a:schemeClr val="phClr"/>
-        </a:solidFill>
-        <a:gradFill rotWithShape="1">
-          <a:gsLst>
-            <a:gs pos="0">
-              <a:schemeClr val="phClr">
-                <a:tint val="50000"/>
-                <a:satMod val="300000"/>
-              </a:schemeClr>
-            </a:gs>
-            <a:gs pos="35000">
-              <a:schemeClr val="phClr">
-                <a:tint val="37000"/>
-                <a:satMod val="300000"/>
-              </a:schemeClr>
-            </a:gs>
-            <a:gs pos="100000">
-              <a:schemeClr val="phClr">
-                <a:tint val="15000"/>
-                <a:satMod val="350000"/>
-              </a:schemeClr>
-            </a:gs>
-          </a:gsLst>
-          <a:lin ang="16200000" scaled="1"/>
-        </a:gradFill>
-        <a:gradFill rotWithShape="1">
-          <a:gsLst>
-            <a:gs pos="0">
-              <a:schemeClr val="phClr">
-                <a:tint val="100000"/>
-                <a:shade val="100000"/>
-                <a:satMod val="130000"/>
-              </a:schemeClr>
-            </a:gs>
-            <a:gs pos="100000">
-              <a:schemeClr val="phClr">
-                <a:tint val="50000"/>
-                <a:shade val="100000"/>
-                <a:satMod val="350000"/>
-              </a:schemeClr>
-            </a:gs>
-          </a:gsLst>
-          <a:lin ang="16200000" scaled="0"/>
-        </a:gradFill>
-      </a:fillStyleLst>
-      <a:lnStyleLst>
-        <a:ln w="9525" cap="flat" cmpd="sng" algn="ctr">
-          <a:solidFill>
-            <a:schemeClr val="phClr">
-              <a:shade val="95000"/>
-              <a:satMod val="105000"/>
-            </a:schemeClr>
-          </a:solidFill>
-          <a:prstDash val="solid"/>
-        </a:ln>
-        <a:ln w="25400" cap="flat" cmpd="sng" algn="ctr">
-          <a:solidFill>
-            <a:schemeClr val="phClr"/>
-          </a:solidFill>
-          <a:prstDash val="solid"/>
-        </a:ln>
-        <a:ln w="38100" cap="flat" cmpd="sng" algn="ctr">
-          <a:solidFill>
-            <a:schemeClr val="phClr"/>
-          </a:solidFill>
-          <a:prstDash val="solid"/>
-        </a:ln>
-      </a:lnStyleLst>
-      <a:effectStyleLst>
-        <a:effectStyle>
-          <a:effectLst>
-            <a:outerShdw blurRad="40000" dist="20000" dir="5400000" rotWithShape="0">
-              <a:srgbClr val="000000">
-                <a:alpha val="38000"/>
-              </a:srgbClr>
-            </a:outerShdw>
-          </a:effectLst>
-        </a:effectStyle>
-        <a:effectStyle>
-          <a:effectLst>
-            <a:outerShdw blurRad="40000" dist="23000" dir="5400000" rotWithShape="0">
-              <a:srgbClr val="000000">
-                <a:alpha val="35000"/>
-              </a:srgbClr>
-            </a:outerShdw>
-          </a:effectLst>
-        </a:effectStyle>
-        <a:effectStyle>
-          <a:effectLst>
-            <a:outerShdw blurRad="40000" dist="23000" dir="5400000" rotWithShape="0">
-              <a:srgbClr val="000000">
-                <a:alpha val="35000"/>
-              </a:srgbClr>
-            </a:outerShdw>
-          </a:effectLst>
-          <a:scene3d>
-            <a:camera prst="orthographicFront">
-              <a:rot lat="0" lon="0" rev="0"/>
-            </a:camera>
-            <a:lightRig rig="threePt" dir="t">
-              <a:rot lat="0" lon="0" rev="1200000"/>
-            </a:lightRig>
-          </a:scene3d>
-          <a:sp3d>
-            <a:bevelT w="63500" h="25400"/>
-          </a:sp3d>
-        </a:effectStyle>
-      </a:effectStyleLst>
-      <a:bgFillStyleLst>
-        <a:solidFill>
-          <a:schemeClr val="phClr"/>
-        </a:solidFill>
-        <a:gradFill rotWithShape="1">
-          <a:gsLst>
-            <a:gs pos="0">
-              <a:schemeClr val="phClr">
-                <a:tint val="40000"/>
-                <a:satMod val="350000"/>
-              </a:schemeClr>
-            </a:gs>
-            <a:gs pos="40000">
-              <a:schemeClr val="phClr">
-                <a:tint val="45000"/>
-                <a:shade val="99000"/>
-                <a:satMod val="350000"/>
-              </a:schemeClr>
-            </a:gs>
-            <a:gs pos="100000">
-              <a:schemeClr val="phClr">
-                <a:shade val="20000"/>
-                <a:satMod val="255000"/>
-              </a:schemeClr>
-            </a:gs>
-          </a:gsLst>
-          <a:path path="circle">
-            <a:fillToRect l="50000" t="-80000" r="50000" b="180000"/>
-          </a:path>
-        </a:gradFill>
-        <a:gradFill rotWithShape="1">
-          <a:gsLst>
-            <a:gs pos="0">
-              <a:schemeClr val="phClr">
-                <a:tint val="80000"/>
-                <a:satMod val="300000"/>
-              </a:schemeClr>
-            </a:gs>
-            <a:gs pos="100000">
-              <a:schemeClr val="phClr">
-                <a:shade val="30000"/>
-                <a:satMod val="200000"/>
-              </a:schemeClr>
-            </a:gs>
-          </a:gsLst>
-          <a:path path="circle">
-            <a:fillToRect l="50000" t="50000" r="50000" b="50000"/>
-          </a:path>
-        </a:gradFill>
-      </a:bgFillStyleLst>
-    </a:fmtScheme>
-  </a:themeElements>
-</a:theme>
 </file>